--- a/Bank_Customer_Churn.pptx
+++ b/Bank_Customer_Churn.pptx
@@ -285,7 +285,7 @@
           <a:p>
             <a:fld id="{D214AEED-FF0D-4512-BD5F-9F077F06D9A7}" type="datetimeFigureOut">
               <a:rPr lang="en-US" smtClean="0"/>
-              <a:t>6/25/2023</a:t>
+              <a:t>6/25/23</a:t>
             </a:fld>
             <a:endParaRPr lang="en-US" dirty="0"/>
           </a:p>
@@ -462,7 +462,7 @@
           <a:p>
             <a:fld id="{39AF9B45-E22A-4A9C-91D5-81685A72A6FA}" type="datetimeFigureOut">
               <a:rPr lang="en-US" smtClean="0"/>
-              <a:t>6/25/2023</a:t>
+              <a:t>6/25/23</a:t>
             </a:fld>
             <a:endParaRPr lang="en-US" dirty="0"/>
           </a:p>
@@ -19478,15 +19478,7 @@
           <a:p>
             <a:r>
               <a:rPr lang="en-US" dirty="0"/>
-              <a:t>Bin Lu, </a:t>
-            </a:r>
-            <a:r>
-              <a:rPr lang="en-US" dirty="0" err="1"/>
-              <a:t>Kwabensa</a:t>
-            </a:r>
-            <a:r>
-              <a:rPr lang="en-US" dirty="0"/>
-              <a:t> Mensah, Frank Ivey</a:t>
+              <a:t>Bin Lu, Kwabena Mensah, Frank Ivey</a:t>
             </a:r>
           </a:p>
         </p:txBody>
@@ -20020,7 +20012,7 @@
           <a:p>
             <a:r>
               <a:rPr lang="en-US" dirty="0"/>
-              <a:t>Credit cards are a good source of income for banks because of the different kinds of fees charged by the banks like annual fees, balance transfer fees, and cash advance fees, late payment fees, foreign transaction fees, and others.</a:t>
+              <a:t>Credit cards are a good source of income for banks because of the different kinds of fees charged by the banks like annual fees, balance transfer fees, cash advance fees, late payment fees, foreign transaction fees, and others.</a:t>
             </a:r>
           </a:p>
         </p:txBody>
@@ -31963,7 +31955,7 @@
             </a:r>
             <a:r>
               <a:rPr lang="en-US" dirty="0" err="1"/>
-              <a:t>Kwebensa</a:t>
+              <a:t>Kwebena</a:t>
             </a:r>
             <a:r>
               <a:rPr lang="en-US" dirty="0"/>
@@ -32884,6 +32876,15 @@
 </file>
 
 <file path=customXml/item1.xml><?xml version="1.0" encoding="utf-8"?>
+<?mso-contentType ?>
+<FormTemplates xmlns="http://schemas.microsoft.com/sharepoint/v3/contenttype/forms">
+  <Display>DocumentLibraryForm</Display>
+  <Edit>DocumentLibraryForm</Edit>
+  <New>DocumentLibraryForm</New>
+</FormTemplates>
+</file>
+
+<file path=customXml/item2.xml><?xml version="1.0" encoding="utf-8"?>
 <ct:contentTypeSchema xmlns:ct="http://schemas.microsoft.com/office/2006/metadata/contentType" xmlns:ma="http://schemas.microsoft.com/office/2006/metadata/properties/metaAttributes" ct:_="" ma:_="" ma:contentTypeName="Document" ma:contentTypeID="0x01010079F111ED35F8CC479449609E8A0923A6" ma:contentTypeVersion="21" ma:contentTypeDescription="Create a new document." ma:contentTypeScope="" ma:versionID="64dfb1555687e0874b4304b796b5b0c7">
   <xsd:schema xmlns:xsd="http://www.w3.org/2001/XMLSchema" xmlns:xs="http://www.w3.org/2001/XMLSchema" xmlns:p="http://schemas.microsoft.com/office/2006/metadata/properties" xmlns:ns1="http://schemas.microsoft.com/sharepoint/v3" xmlns:ns2="71af3243-3dd4-4a8d-8c0d-dd76da1f02a5" xmlns:ns3="16c05727-aa75-4e4a-9b5f-8a80a1165891" xmlns:ns4="230e9df3-be65-4c73-a93b-d1236ebd677e" targetNamespace="http://schemas.microsoft.com/office/2006/metadata/properties" ma:root="true" ma:fieldsID="e6e4c555b5e194d05b7203de9c4567b3" ns1:_="" ns2:_="" ns3:_="" ns4:_="">
     <xsd:import namespace="http://schemas.microsoft.com/sharepoint/v3"/>
@@ -33165,15 +33166,6 @@
 </ct:contentTypeSchema>
 </file>
 
-<file path=customXml/item2.xml><?xml version="1.0" encoding="utf-8"?>
-<?mso-contentType ?>
-<FormTemplates xmlns="http://schemas.microsoft.com/sharepoint/v3/contenttype/forms">
-  <Display>DocumentLibraryForm</Display>
-  <Edit>DocumentLibraryForm</Edit>
-  <New>DocumentLibraryForm</New>
-</FormTemplates>
-</file>
-
 <file path=customXml/item3.xml><?xml version="1.0" encoding="utf-8"?>
 <p:properties xmlns:p="http://schemas.microsoft.com/office/2006/metadata/properties" xmlns:xsi="http://www.w3.org/2001/XMLSchema-instance" xmlns:pc="http://schemas.microsoft.com/office/infopath/2007/PartnerControls">
   <documentManagement>
@@ -33194,6 +33186,14 @@
 </file>
 
 <file path=customXml/itemProps1.xml><?xml version="1.0" encoding="utf-8"?>
+<ds:datastoreItem xmlns:ds="http://schemas.openxmlformats.org/officeDocument/2006/customXml" ds:itemID="{0FC5A798-286F-493A-A004-3C6C2A6B8B95}">
+  <ds:schemaRefs>
+    <ds:schemaRef ds:uri="http://schemas.microsoft.com/sharepoint/v3/contenttype/forms"/>
+  </ds:schemaRefs>
+</ds:datastoreItem>
+</file>
+
+<file path=customXml/itemProps2.xml><?xml version="1.0" encoding="utf-8"?>
 <ds:datastoreItem xmlns:ds="http://schemas.openxmlformats.org/officeDocument/2006/customXml" ds:itemID="{284AF623-4A95-4652-AF18-74D461A9667B}">
   <ds:schemaRefs>
     <ds:schemaRef ds:uri="http://schemas.microsoft.com/office/2006/metadata/contentType"/>
@@ -33210,14 +33210,6 @@
     <ds:schemaRef ds:uri="http://purl.org/dc/elements/1.1/"/>
     <ds:schemaRef ds:uri="http://purl.org/dc/terms/"/>
     <ds:schemaRef ds:uri="http://schemas.microsoft.com/internal/obd"/>
-  </ds:schemaRefs>
-</ds:datastoreItem>
-</file>
-
-<file path=customXml/itemProps2.xml><?xml version="1.0" encoding="utf-8"?>
-<ds:datastoreItem xmlns:ds="http://schemas.openxmlformats.org/officeDocument/2006/customXml" ds:itemID="{0FC5A798-286F-493A-A004-3C6C2A6B8B95}">
-  <ds:schemaRefs>
-    <ds:schemaRef ds:uri="http://schemas.microsoft.com/sharepoint/v3/contenttype/forms"/>
   </ds:schemaRefs>
 </ds:datastoreItem>
 </file>
